--- a/papers/2010-ICPP/images/unpack.pptx
+++ b/papers/2010-ICPP/images/unpack.pptx
@@ -289,7 +289,7 @@
             <a:fld id="{268DB075-DF6D-4B12-B5BB-CEB778FEBDC0}" type="datetimeFigureOut">
               <a:rPr lang="en-US" smtClean="0"/>
               <a:pPr/>
-              <a:t>2/12/2010</a:t>
+              <a:t>2/19/2010</a:t>
             </a:fld>
             <a:endParaRPr lang="en-US"/>
           </a:p>
@@ -456,7 +456,7 @@
             <a:fld id="{268DB075-DF6D-4B12-B5BB-CEB778FEBDC0}" type="datetimeFigureOut">
               <a:rPr lang="en-US" smtClean="0"/>
               <a:pPr/>
-              <a:t>2/12/2010</a:t>
+              <a:t>2/19/2010</a:t>
             </a:fld>
             <a:endParaRPr lang="en-US"/>
           </a:p>
@@ -633,7 +633,7 @@
             <a:fld id="{268DB075-DF6D-4B12-B5BB-CEB778FEBDC0}" type="datetimeFigureOut">
               <a:rPr lang="en-US" smtClean="0"/>
               <a:pPr/>
-              <a:t>2/12/2010</a:t>
+              <a:t>2/19/2010</a:t>
             </a:fld>
             <a:endParaRPr lang="en-US"/>
           </a:p>
@@ -800,7 +800,7 @@
             <a:fld id="{268DB075-DF6D-4B12-B5BB-CEB778FEBDC0}" type="datetimeFigureOut">
               <a:rPr lang="en-US" smtClean="0"/>
               <a:pPr/>
-              <a:t>2/12/2010</a:t>
+              <a:t>2/19/2010</a:t>
             </a:fld>
             <a:endParaRPr lang="en-US"/>
           </a:p>
@@ -1043,7 +1043,7 @@
             <a:fld id="{268DB075-DF6D-4B12-B5BB-CEB778FEBDC0}" type="datetimeFigureOut">
               <a:rPr lang="en-US" smtClean="0"/>
               <a:pPr/>
-              <a:t>2/12/2010</a:t>
+              <a:t>2/19/2010</a:t>
             </a:fld>
             <a:endParaRPr lang="en-US"/>
           </a:p>
@@ -1328,7 +1328,7 @@
             <a:fld id="{268DB075-DF6D-4B12-B5BB-CEB778FEBDC0}" type="datetimeFigureOut">
               <a:rPr lang="en-US" smtClean="0"/>
               <a:pPr/>
-              <a:t>2/12/2010</a:t>
+              <a:t>2/19/2010</a:t>
             </a:fld>
             <a:endParaRPr lang="en-US"/>
           </a:p>
@@ -1747,7 +1747,7 @@
             <a:fld id="{268DB075-DF6D-4B12-B5BB-CEB778FEBDC0}" type="datetimeFigureOut">
               <a:rPr lang="en-US" smtClean="0"/>
               <a:pPr/>
-              <a:t>2/12/2010</a:t>
+              <a:t>2/19/2010</a:t>
             </a:fld>
             <a:endParaRPr lang="en-US"/>
           </a:p>
@@ -1862,7 +1862,7 @@
             <a:fld id="{268DB075-DF6D-4B12-B5BB-CEB778FEBDC0}" type="datetimeFigureOut">
               <a:rPr lang="en-US" smtClean="0"/>
               <a:pPr/>
-              <a:t>2/12/2010</a:t>
+              <a:t>2/19/2010</a:t>
             </a:fld>
             <a:endParaRPr lang="en-US"/>
           </a:p>
@@ -1954,7 +1954,7 @@
             <a:fld id="{268DB075-DF6D-4B12-B5BB-CEB778FEBDC0}" type="datetimeFigureOut">
               <a:rPr lang="en-US" smtClean="0"/>
               <a:pPr/>
-              <a:t>2/12/2010</a:t>
+              <a:t>2/19/2010</a:t>
             </a:fld>
             <a:endParaRPr lang="en-US"/>
           </a:p>
@@ -2228,7 +2228,7 @@
             <a:fld id="{268DB075-DF6D-4B12-B5BB-CEB778FEBDC0}" type="datetimeFigureOut">
               <a:rPr lang="en-US" smtClean="0"/>
               <a:pPr/>
-              <a:t>2/12/2010</a:t>
+              <a:t>2/19/2010</a:t>
             </a:fld>
             <a:endParaRPr lang="en-US"/>
           </a:p>
@@ -2478,7 +2478,7 @@
             <a:fld id="{268DB075-DF6D-4B12-B5BB-CEB778FEBDC0}" type="datetimeFigureOut">
               <a:rPr lang="en-US" smtClean="0"/>
               <a:pPr/>
-              <a:t>2/12/2010</a:t>
+              <a:t>2/19/2010</a:t>
             </a:fld>
             <a:endParaRPr lang="en-US"/>
           </a:p>
@@ -2688,7 +2688,7 @@
             <a:fld id="{268DB075-DF6D-4B12-B5BB-CEB778FEBDC0}" type="datetimeFigureOut">
               <a:rPr lang="en-US" smtClean="0"/>
               <a:pPr/>
-              <a:t>2/12/2010</a:t>
+              <a:t>2/19/2010</a:t>
             </a:fld>
             <a:endParaRPr lang="en-US"/>
           </a:p>
@@ -3554,8 +3554,8 @@
         </p:nvSpPr>
         <p:spPr>
           <a:xfrm flipV="1">
-            <a:off x="1704239" y="1346512"/>
-            <a:ext cx="182880" cy="187261"/>
+            <a:off x="1691728" y="2102187"/>
+            <a:ext cx="182880" cy="182880"/>
           </a:xfrm>
           <a:prstGeom prst="rect">
             <a:avLst/>
@@ -3675,8 +3675,8 @@
         </p:nvSpPr>
         <p:spPr>
           <a:xfrm flipV="1">
-            <a:off x="6730545" y="1346512"/>
-            <a:ext cx="182880" cy="187261"/>
+            <a:off x="6718034" y="2102187"/>
+            <a:ext cx="182880" cy="182880"/>
           </a:xfrm>
           <a:prstGeom prst="rect">
             <a:avLst/>
@@ -3731,8 +3731,8 @@
         </p:nvSpPr>
         <p:spPr>
           <a:xfrm flipV="1">
-            <a:off x="1887119" y="1346512"/>
-            <a:ext cx="182880" cy="187261"/>
+            <a:off x="1874608" y="2102187"/>
+            <a:ext cx="182880" cy="182880"/>
           </a:xfrm>
           <a:prstGeom prst="rect">
             <a:avLst/>
@@ -3784,8 +3784,8 @@
         </p:nvSpPr>
         <p:spPr>
           <a:xfrm flipV="1">
-            <a:off x="3387197" y="1346512"/>
-            <a:ext cx="182880" cy="187261"/>
+            <a:off x="3374686" y="2102187"/>
+            <a:ext cx="182880" cy="182880"/>
           </a:xfrm>
           <a:prstGeom prst="rect">
             <a:avLst/>
@@ -3837,8 +3837,8 @@
         </p:nvSpPr>
         <p:spPr>
           <a:xfrm flipV="1">
-            <a:off x="3570077" y="1346512"/>
-            <a:ext cx="182880" cy="187261"/>
+            <a:off x="3557566" y="2102187"/>
+            <a:ext cx="182880" cy="182880"/>
           </a:xfrm>
           <a:prstGeom prst="rect">
             <a:avLst/>
@@ -3890,8 +3890,8 @@
         </p:nvSpPr>
         <p:spPr>
           <a:xfrm flipV="1">
-            <a:off x="5058871" y="1346512"/>
-            <a:ext cx="182880" cy="187261"/>
+            <a:off x="5046360" y="2102187"/>
+            <a:ext cx="182880" cy="182880"/>
           </a:xfrm>
           <a:prstGeom prst="rect">
             <a:avLst/>
@@ -3943,8 +3943,8 @@
         </p:nvSpPr>
         <p:spPr>
           <a:xfrm flipV="1">
-            <a:off x="5241751" y="1346512"/>
-            <a:ext cx="182880" cy="187261"/>
+            <a:off x="5229240" y="2102187"/>
+            <a:ext cx="182880" cy="182880"/>
           </a:xfrm>
           <a:prstGeom prst="rect">
             <a:avLst/>
@@ -3998,18 +3998,42 @@
         </p:nvSpPr>
         <p:spPr>
           <a:xfrm flipV="1">
-            <a:off x="1704239" y="1675067"/>
+            <a:off x="1691728" y="2430742"/>
             <a:ext cx="1530558" cy="187261"/>
           </a:xfrm>
           <a:prstGeom prst="rect">
             <a:avLst/>
           </a:prstGeom>
-          <a:solidFill>
-            <a:schemeClr val="accent4">
-              <a:lumMod val="60000"/>
-              <a:lumOff val="40000"/>
-            </a:schemeClr>
-          </a:solidFill>
+          <a:gradFill flip="none" rotWithShape="1">
+            <a:gsLst>
+              <a:gs pos="0">
+                <a:schemeClr val="accent4">
+                  <a:lumMod val="60000"/>
+                  <a:lumOff val="40000"/>
+                  <a:tint val="66000"/>
+                  <a:satMod val="160000"/>
+                </a:schemeClr>
+              </a:gs>
+              <a:gs pos="50000">
+                <a:schemeClr val="accent4">
+                  <a:lumMod val="60000"/>
+                  <a:lumOff val="40000"/>
+                  <a:tint val="44500"/>
+                  <a:satMod val="160000"/>
+                </a:schemeClr>
+              </a:gs>
+              <a:gs pos="100000">
+                <a:schemeClr val="accent4">
+                  <a:lumMod val="60000"/>
+                  <a:lumOff val="40000"/>
+                  <a:tint val="23500"/>
+                  <a:satMod val="160000"/>
+                </a:schemeClr>
+              </a:gs>
+            </a:gsLst>
+            <a:lin ang="16200000" scaled="1"/>
+            <a:tileRect/>
+          </a:gradFill>
         </p:spPr>
         <p:style>
           <a:lnRef idx="1">
@@ -4054,18 +4078,42 @@
         </p:nvSpPr>
         <p:spPr>
           <a:xfrm flipV="1">
-            <a:off x="3387197" y="1675067"/>
+            <a:off x="3374686" y="2430742"/>
             <a:ext cx="1530558" cy="187261"/>
           </a:xfrm>
           <a:prstGeom prst="rect">
             <a:avLst/>
           </a:prstGeom>
-          <a:solidFill>
-            <a:schemeClr val="accent4">
-              <a:lumMod val="60000"/>
-              <a:lumOff val="40000"/>
-            </a:schemeClr>
-          </a:solidFill>
+          <a:gradFill flip="none" rotWithShape="1">
+            <a:gsLst>
+              <a:gs pos="0">
+                <a:schemeClr val="accent4">
+                  <a:lumMod val="60000"/>
+                  <a:lumOff val="40000"/>
+                  <a:tint val="66000"/>
+                  <a:satMod val="160000"/>
+                </a:schemeClr>
+              </a:gs>
+              <a:gs pos="50000">
+                <a:schemeClr val="accent4">
+                  <a:lumMod val="60000"/>
+                  <a:lumOff val="40000"/>
+                  <a:tint val="44500"/>
+                  <a:satMod val="160000"/>
+                </a:schemeClr>
+              </a:gs>
+              <a:gs pos="100000">
+                <a:schemeClr val="accent4">
+                  <a:lumMod val="60000"/>
+                  <a:lumOff val="40000"/>
+                  <a:tint val="23500"/>
+                  <a:satMod val="160000"/>
+                </a:schemeClr>
+              </a:gs>
+            </a:gsLst>
+            <a:lin ang="16200000" scaled="1"/>
+            <a:tileRect/>
+          </a:gradFill>
         </p:spPr>
         <p:style>
           <a:lnRef idx="1">
@@ -4110,18 +4158,42 @@
         </p:nvSpPr>
         <p:spPr>
           <a:xfrm flipV="1">
-            <a:off x="5058871" y="1675067"/>
+            <a:off x="5046360" y="2430742"/>
             <a:ext cx="1530558" cy="187261"/>
           </a:xfrm>
           <a:prstGeom prst="rect">
             <a:avLst/>
           </a:prstGeom>
-          <a:solidFill>
-            <a:schemeClr val="accent4">
-              <a:lumMod val="60000"/>
-              <a:lumOff val="40000"/>
-            </a:schemeClr>
-          </a:solidFill>
+          <a:gradFill flip="none" rotWithShape="1">
+            <a:gsLst>
+              <a:gs pos="0">
+                <a:schemeClr val="accent4">
+                  <a:lumMod val="60000"/>
+                  <a:lumOff val="40000"/>
+                  <a:tint val="66000"/>
+                  <a:satMod val="160000"/>
+                </a:schemeClr>
+              </a:gs>
+              <a:gs pos="50000">
+                <a:schemeClr val="accent4">
+                  <a:lumMod val="60000"/>
+                  <a:lumOff val="40000"/>
+                  <a:tint val="44500"/>
+                  <a:satMod val="160000"/>
+                </a:schemeClr>
+              </a:gs>
+              <a:gs pos="100000">
+                <a:schemeClr val="accent4">
+                  <a:lumMod val="60000"/>
+                  <a:lumOff val="40000"/>
+                  <a:tint val="23500"/>
+                  <a:satMod val="160000"/>
+                </a:schemeClr>
+              </a:gs>
+            </a:gsLst>
+            <a:lin ang="16200000" scaled="1"/>
+            <a:tileRect/>
+          </a:gradFill>
         </p:spPr>
         <p:style>
           <a:lnRef idx="1">
@@ -4166,18 +4238,42 @@
         </p:nvSpPr>
         <p:spPr>
           <a:xfrm flipV="1">
-            <a:off x="6730545" y="1675067"/>
+            <a:off x="6718034" y="2430742"/>
             <a:ext cx="1530558" cy="187261"/>
           </a:xfrm>
           <a:prstGeom prst="rect">
             <a:avLst/>
           </a:prstGeom>
-          <a:solidFill>
-            <a:schemeClr val="accent4">
-              <a:lumMod val="60000"/>
-              <a:lumOff val="40000"/>
-            </a:schemeClr>
-          </a:solidFill>
+          <a:gradFill flip="none" rotWithShape="1">
+            <a:gsLst>
+              <a:gs pos="0">
+                <a:schemeClr val="accent4">
+                  <a:lumMod val="60000"/>
+                  <a:lumOff val="40000"/>
+                  <a:tint val="66000"/>
+                  <a:satMod val="160000"/>
+                </a:schemeClr>
+              </a:gs>
+              <a:gs pos="50000">
+                <a:schemeClr val="accent4">
+                  <a:lumMod val="60000"/>
+                  <a:lumOff val="40000"/>
+                  <a:tint val="44500"/>
+                  <a:satMod val="160000"/>
+                </a:schemeClr>
+              </a:gs>
+              <a:gs pos="100000">
+                <a:schemeClr val="accent4">
+                  <a:lumMod val="60000"/>
+                  <a:lumOff val="40000"/>
+                  <a:tint val="23500"/>
+                  <a:satMod val="160000"/>
+                </a:schemeClr>
+              </a:gs>
+            </a:gsLst>
+            <a:lin ang="16200000" scaled="1"/>
+            <a:tileRect/>
+          </a:gradFill>
         </p:spPr>
         <p:style>
           <a:lnRef idx="1">
@@ -4222,7 +4318,7 @@
         </p:nvSpPr>
         <p:spPr>
           <a:xfrm>
-            <a:off x="2003579" y="1675067"/>
+            <a:off x="1991068" y="2430742"/>
             <a:ext cx="182880" cy="182880"/>
           </a:xfrm>
           <a:prstGeom prst="rect">
@@ -4263,7 +4359,7 @@
         </p:nvSpPr>
         <p:spPr>
           <a:xfrm>
-            <a:off x="2394359" y="1675067"/>
+            <a:off x="2381848" y="2430742"/>
             <a:ext cx="182880" cy="182880"/>
           </a:xfrm>
           <a:prstGeom prst="rect">
@@ -4304,7 +4400,7 @@
         </p:nvSpPr>
         <p:spPr>
           <a:xfrm>
-            <a:off x="2865671" y="1675067"/>
+            <a:off x="2853160" y="2430742"/>
             <a:ext cx="182880" cy="182880"/>
           </a:xfrm>
           <a:prstGeom prst="rect">
@@ -4345,7 +4441,7 @@
         </p:nvSpPr>
         <p:spPr>
           <a:xfrm>
-            <a:off x="3387197" y="1675067"/>
+            <a:off x="3374686" y="2430742"/>
             <a:ext cx="182880" cy="182880"/>
           </a:xfrm>
           <a:prstGeom prst="rect">
@@ -4386,7 +4482,7 @@
         </p:nvSpPr>
         <p:spPr>
           <a:xfrm>
-            <a:off x="3881927" y="1675067"/>
+            <a:off x="3869416" y="2430742"/>
             <a:ext cx="182880" cy="182880"/>
           </a:xfrm>
           <a:prstGeom prst="rect">
@@ -4427,7 +4523,7 @@
         </p:nvSpPr>
         <p:spPr>
           <a:xfrm>
-            <a:off x="7882833" y="1675067"/>
+            <a:off x="7870322" y="2430742"/>
             <a:ext cx="182880" cy="182880"/>
           </a:xfrm>
           <a:prstGeom prst="rect">
@@ -4471,7 +4567,7 @@
         </p:nvSpPr>
         <p:spPr>
           <a:xfrm>
-            <a:off x="6935079" y="1675067"/>
+            <a:off x="6922568" y="2430742"/>
             <a:ext cx="182880" cy="182880"/>
           </a:xfrm>
           <a:prstGeom prst="rect">
@@ -4517,8 +4613,8 @@
         </p:nvCxnSpPr>
         <p:spPr>
           <a:xfrm rot="16200000" flipH="1">
-            <a:off x="1874702" y="1454750"/>
-            <a:ext cx="141294" cy="299340"/>
+            <a:off x="1860001" y="2208234"/>
+            <a:ext cx="145675" cy="299340"/>
           </a:xfrm>
           <a:prstGeom prst="straightConnector1">
             <a:avLst/>
@@ -4553,8 +4649,8 @@
         </p:nvCxnSpPr>
         <p:spPr>
           <a:xfrm rot="16200000" flipH="1">
-            <a:off x="2161532" y="1350800"/>
-            <a:ext cx="141294" cy="507240"/>
+            <a:off x="2146831" y="2104284"/>
+            <a:ext cx="145675" cy="507240"/>
           </a:xfrm>
           <a:prstGeom prst="straightConnector1">
             <a:avLst/>
@@ -4589,8 +4685,8 @@
         </p:nvCxnSpPr>
         <p:spPr>
           <a:xfrm rot="5400000">
-            <a:off x="3147227" y="1343657"/>
-            <a:ext cx="141294" cy="521526"/>
+            <a:off x="3132526" y="2097141"/>
+            <a:ext cx="145675" cy="521526"/>
           </a:xfrm>
           <a:prstGeom prst="straightConnector1">
             <a:avLst/>
@@ -4625,8 +4721,8 @@
         </p:nvCxnSpPr>
         <p:spPr>
           <a:xfrm rot="5400000">
-            <a:off x="3499430" y="1512980"/>
-            <a:ext cx="141294" cy="182880"/>
+            <a:off x="3484729" y="2266464"/>
+            <a:ext cx="145675" cy="182880"/>
           </a:xfrm>
           <a:prstGeom prst="straightConnector1">
             <a:avLst/>
@@ -4661,8 +4757,8 @@
         </p:nvCxnSpPr>
         <p:spPr>
           <a:xfrm rot="5400000">
-            <a:off x="4491192" y="1015948"/>
-            <a:ext cx="141294" cy="1176944"/>
+            <a:off x="4476491" y="1769432"/>
+            <a:ext cx="145675" cy="1176944"/>
           </a:xfrm>
           <a:prstGeom prst="straightConnector1">
             <a:avLst/>
@@ -4697,8 +4793,8 @@
         </p:nvCxnSpPr>
         <p:spPr>
           <a:xfrm rot="16200000" flipH="1">
-            <a:off x="6109208" y="757756"/>
-            <a:ext cx="141294" cy="1693328"/>
+            <a:off x="6094507" y="1511240"/>
+            <a:ext cx="145675" cy="1693328"/>
           </a:xfrm>
           <a:prstGeom prst="straightConnector1">
             <a:avLst/>
@@ -4733,8 +4829,8 @@
         </p:nvCxnSpPr>
         <p:spPr>
           <a:xfrm rot="16200000" flipH="1">
-            <a:off x="7327482" y="1028276"/>
-            <a:ext cx="141294" cy="1152288"/>
+            <a:off x="7312781" y="1781760"/>
+            <a:ext cx="145675" cy="1152288"/>
           </a:xfrm>
           <a:prstGeom prst="straightConnector1">
             <a:avLst/>
@@ -4758,6 +4854,1046 @@
           </a:fontRef>
         </p:style>
       </p:cxnSp>
+      <p:sp>
+        <p:nvSpPr>
+          <p:cNvPr id="38" name="TextBox 37"/>
+          <p:cNvSpPr txBox="1"/>
+          <p:nvPr/>
+        </p:nvSpPr>
+        <p:spPr>
+          <a:xfrm>
+            <a:off x="1296755" y="866559"/>
+            <a:ext cx="407484" cy="461665"/>
+          </a:xfrm>
+          <a:prstGeom prst="rect">
+            <a:avLst/>
+          </a:prstGeom>
+          <a:noFill/>
+        </p:spPr>
+        <p:txBody>
+          <a:bodyPr wrap="none" rtlCol="0">
+            <a:spAutoFit/>
+          </a:bodyPr>
+          <a:lstStyle/>
+          <a:p>
+            <a:r>
+              <a:rPr lang="en-US" sz="2400" dirty="0" smtClean="0">
+                <a:latin typeface="Times New Roman" pitchFamily="18" charset="0"/>
+                <a:cs typeface="Times New Roman" pitchFamily="18" charset="0"/>
+              </a:rPr>
+              <a:t>A</a:t>
+            </a:r>
+            <a:endParaRPr lang="en-US" sz="2400" dirty="0">
+              <a:latin typeface="Times New Roman" pitchFamily="18" charset="0"/>
+              <a:cs typeface="Times New Roman" pitchFamily="18" charset="0"/>
+            </a:endParaRPr>
+          </a:p>
+        </p:txBody>
+      </p:sp>
+      <p:sp>
+        <p:nvSpPr>
+          <p:cNvPr id="50" name="Rectangle 49"/>
+          <p:cNvSpPr/>
+          <p:nvPr/>
+        </p:nvSpPr>
+        <p:spPr>
+          <a:xfrm flipV="1">
+            <a:off x="1704239" y="1328224"/>
+            <a:ext cx="1530558" cy="187261"/>
+          </a:xfrm>
+          <a:prstGeom prst="rect">
+            <a:avLst/>
+          </a:prstGeom>
+          <a:gradFill flip="none" rotWithShape="1">
+            <a:gsLst>
+              <a:gs pos="0">
+                <a:schemeClr val="accent4">
+                  <a:lumMod val="60000"/>
+                  <a:lumOff val="40000"/>
+                  <a:tint val="66000"/>
+                  <a:satMod val="160000"/>
+                </a:schemeClr>
+              </a:gs>
+              <a:gs pos="50000">
+                <a:schemeClr val="accent4">
+                  <a:lumMod val="60000"/>
+                  <a:lumOff val="40000"/>
+                  <a:tint val="44500"/>
+                  <a:satMod val="160000"/>
+                </a:schemeClr>
+              </a:gs>
+              <a:gs pos="100000">
+                <a:schemeClr val="accent4">
+                  <a:lumMod val="60000"/>
+                  <a:lumOff val="40000"/>
+                  <a:tint val="23500"/>
+                  <a:satMod val="160000"/>
+                </a:schemeClr>
+              </a:gs>
+            </a:gsLst>
+            <a:lin ang="16200000" scaled="1"/>
+            <a:tileRect/>
+          </a:gradFill>
+        </p:spPr>
+        <p:style>
+          <a:lnRef idx="1">
+            <a:schemeClr val="accent1"/>
+          </a:lnRef>
+          <a:fillRef idx="3">
+            <a:schemeClr val="accent1"/>
+          </a:fillRef>
+          <a:effectRef idx="2">
+            <a:schemeClr val="accent1"/>
+          </a:effectRef>
+          <a:fontRef idx="minor">
+            <a:schemeClr val="lt1"/>
+          </a:fontRef>
+        </p:style>
+        <p:txBody>
+          <a:bodyPr rtlCol="0" anchor="ctr"/>
+          <a:lstStyle/>
+          <a:p>
+            <a:pPr algn="ctr"/>
+            <a:endParaRPr lang="en-US" dirty="0" smtClean="0"/>
+          </a:p>
+          <a:p>
+            <a:pPr algn="ctr"/>
+            <a:endParaRPr/>
+          </a:p>
+          <a:p>
+            <a:pPr algn="ctr"/>
+            <a:endParaRPr lang="en-US" dirty="0" smtClean="0"/>
+          </a:p>
+          <a:p>
+            <a:pPr algn="ctr"/>
+            <a:endParaRPr lang="en-US" dirty="0"/>
+          </a:p>
+        </p:txBody>
+      </p:sp>
+      <p:sp>
+        <p:nvSpPr>
+          <p:cNvPr id="51" name="Rectangle 50"/>
+          <p:cNvSpPr/>
+          <p:nvPr/>
+        </p:nvSpPr>
+        <p:spPr>
+          <a:xfrm flipV="1">
+            <a:off x="3387197" y="1328224"/>
+            <a:ext cx="1530558" cy="187261"/>
+          </a:xfrm>
+          <a:prstGeom prst="rect">
+            <a:avLst/>
+          </a:prstGeom>
+          <a:gradFill flip="none" rotWithShape="1">
+            <a:gsLst>
+              <a:gs pos="0">
+                <a:schemeClr val="accent4">
+                  <a:lumMod val="60000"/>
+                  <a:lumOff val="40000"/>
+                  <a:tint val="66000"/>
+                  <a:satMod val="160000"/>
+                </a:schemeClr>
+              </a:gs>
+              <a:gs pos="50000">
+                <a:schemeClr val="accent4">
+                  <a:lumMod val="60000"/>
+                  <a:lumOff val="40000"/>
+                  <a:tint val="44500"/>
+                  <a:satMod val="160000"/>
+                </a:schemeClr>
+              </a:gs>
+              <a:gs pos="100000">
+                <a:schemeClr val="accent4">
+                  <a:lumMod val="60000"/>
+                  <a:lumOff val="40000"/>
+                  <a:tint val="23500"/>
+                  <a:satMod val="160000"/>
+                </a:schemeClr>
+              </a:gs>
+            </a:gsLst>
+            <a:lin ang="16200000" scaled="1"/>
+            <a:tileRect/>
+          </a:gradFill>
+        </p:spPr>
+        <p:style>
+          <a:lnRef idx="1">
+            <a:schemeClr val="accent1"/>
+          </a:lnRef>
+          <a:fillRef idx="3">
+            <a:schemeClr val="accent1"/>
+          </a:fillRef>
+          <a:effectRef idx="2">
+            <a:schemeClr val="accent1"/>
+          </a:effectRef>
+          <a:fontRef idx="minor">
+            <a:schemeClr val="lt1"/>
+          </a:fontRef>
+        </p:style>
+        <p:txBody>
+          <a:bodyPr rtlCol="0" anchor="ctr"/>
+          <a:lstStyle/>
+          <a:p>
+            <a:pPr algn="ctr"/>
+            <a:endParaRPr lang="en-US" dirty="0" smtClean="0"/>
+          </a:p>
+          <a:p>
+            <a:pPr algn="ctr"/>
+            <a:endParaRPr/>
+          </a:p>
+          <a:p>
+            <a:pPr algn="ctr"/>
+            <a:endParaRPr lang="en-US" dirty="0" smtClean="0"/>
+          </a:p>
+          <a:p>
+            <a:pPr algn="ctr"/>
+            <a:endParaRPr lang="en-US" dirty="0"/>
+          </a:p>
+        </p:txBody>
+      </p:sp>
+      <p:sp>
+        <p:nvSpPr>
+          <p:cNvPr id="52" name="Rectangle 51"/>
+          <p:cNvSpPr/>
+          <p:nvPr/>
+        </p:nvSpPr>
+        <p:spPr>
+          <a:xfrm flipV="1">
+            <a:off x="5058871" y="1328224"/>
+            <a:ext cx="1530558" cy="187261"/>
+          </a:xfrm>
+          <a:prstGeom prst="rect">
+            <a:avLst/>
+          </a:prstGeom>
+          <a:gradFill flip="none" rotWithShape="1">
+            <a:gsLst>
+              <a:gs pos="0">
+                <a:schemeClr val="accent4">
+                  <a:lumMod val="60000"/>
+                  <a:lumOff val="40000"/>
+                  <a:tint val="66000"/>
+                  <a:satMod val="160000"/>
+                </a:schemeClr>
+              </a:gs>
+              <a:gs pos="50000">
+                <a:schemeClr val="accent4">
+                  <a:lumMod val="60000"/>
+                  <a:lumOff val="40000"/>
+                  <a:tint val="44500"/>
+                  <a:satMod val="160000"/>
+                </a:schemeClr>
+              </a:gs>
+              <a:gs pos="100000">
+                <a:schemeClr val="accent4">
+                  <a:lumMod val="60000"/>
+                  <a:lumOff val="40000"/>
+                  <a:tint val="23500"/>
+                  <a:satMod val="160000"/>
+                </a:schemeClr>
+              </a:gs>
+            </a:gsLst>
+            <a:lin ang="16200000" scaled="1"/>
+            <a:tileRect/>
+          </a:gradFill>
+        </p:spPr>
+        <p:style>
+          <a:lnRef idx="1">
+            <a:schemeClr val="accent1"/>
+          </a:lnRef>
+          <a:fillRef idx="3">
+            <a:schemeClr val="accent1"/>
+          </a:fillRef>
+          <a:effectRef idx="2">
+            <a:schemeClr val="accent1"/>
+          </a:effectRef>
+          <a:fontRef idx="minor">
+            <a:schemeClr val="lt1"/>
+          </a:fontRef>
+        </p:style>
+        <p:txBody>
+          <a:bodyPr rtlCol="0" anchor="ctr"/>
+          <a:lstStyle/>
+          <a:p>
+            <a:pPr algn="ctr"/>
+            <a:endParaRPr lang="en-US" dirty="0" smtClean="0"/>
+          </a:p>
+          <a:p>
+            <a:pPr algn="ctr"/>
+            <a:endParaRPr/>
+          </a:p>
+          <a:p>
+            <a:pPr algn="ctr"/>
+            <a:endParaRPr lang="en-US" dirty="0" smtClean="0"/>
+          </a:p>
+          <a:p>
+            <a:pPr algn="ctr"/>
+            <a:endParaRPr lang="en-US" dirty="0"/>
+          </a:p>
+        </p:txBody>
+      </p:sp>
+      <p:sp>
+        <p:nvSpPr>
+          <p:cNvPr id="53" name="Rectangle 52"/>
+          <p:cNvSpPr/>
+          <p:nvPr/>
+        </p:nvSpPr>
+        <p:spPr>
+          <a:xfrm flipV="1">
+            <a:off x="6730545" y="1328224"/>
+            <a:ext cx="1530558" cy="187261"/>
+          </a:xfrm>
+          <a:prstGeom prst="rect">
+            <a:avLst/>
+          </a:prstGeom>
+          <a:gradFill flip="none" rotWithShape="1">
+            <a:gsLst>
+              <a:gs pos="0">
+                <a:schemeClr val="accent4">
+                  <a:lumMod val="60000"/>
+                  <a:lumOff val="40000"/>
+                  <a:tint val="66000"/>
+                  <a:satMod val="160000"/>
+                </a:schemeClr>
+              </a:gs>
+              <a:gs pos="50000">
+                <a:schemeClr val="accent4">
+                  <a:lumMod val="60000"/>
+                  <a:lumOff val="40000"/>
+                  <a:tint val="44500"/>
+                  <a:satMod val="160000"/>
+                </a:schemeClr>
+              </a:gs>
+              <a:gs pos="100000">
+                <a:schemeClr val="accent4">
+                  <a:lumMod val="60000"/>
+                  <a:lumOff val="40000"/>
+                  <a:tint val="23500"/>
+                  <a:satMod val="160000"/>
+                </a:schemeClr>
+              </a:gs>
+            </a:gsLst>
+            <a:lin ang="16200000" scaled="1"/>
+            <a:tileRect/>
+          </a:gradFill>
+        </p:spPr>
+        <p:style>
+          <a:lnRef idx="1">
+            <a:schemeClr val="accent1"/>
+          </a:lnRef>
+          <a:fillRef idx="3">
+            <a:schemeClr val="accent1"/>
+          </a:fillRef>
+          <a:effectRef idx="2">
+            <a:schemeClr val="accent1"/>
+          </a:effectRef>
+          <a:fontRef idx="minor">
+            <a:schemeClr val="lt1"/>
+          </a:fontRef>
+        </p:style>
+        <p:txBody>
+          <a:bodyPr rtlCol="0" anchor="ctr"/>
+          <a:lstStyle/>
+          <a:p>
+            <a:pPr algn="ctr"/>
+            <a:endParaRPr lang="en-US" dirty="0" smtClean="0"/>
+          </a:p>
+          <a:p>
+            <a:pPr algn="ctr"/>
+            <a:endParaRPr/>
+          </a:p>
+          <a:p>
+            <a:pPr algn="ctr"/>
+            <a:endParaRPr lang="en-US" dirty="0" smtClean="0"/>
+          </a:p>
+          <a:p>
+            <a:pPr algn="ctr"/>
+            <a:endParaRPr lang="en-US" dirty="0"/>
+          </a:p>
+        </p:txBody>
+      </p:sp>
+      <p:sp>
+        <p:nvSpPr>
+          <p:cNvPr id="55" name="TextBox 54"/>
+          <p:cNvSpPr txBox="1"/>
+          <p:nvPr/>
+        </p:nvSpPr>
+        <p:spPr>
+          <a:xfrm>
+            <a:off x="1314389" y="1175824"/>
+            <a:ext cx="389850" cy="461665"/>
+          </a:xfrm>
+          <a:prstGeom prst="rect">
+            <a:avLst/>
+          </a:prstGeom>
+          <a:noFill/>
+        </p:spPr>
+        <p:txBody>
+          <a:bodyPr wrap="none" rtlCol="0">
+            <a:spAutoFit/>
+          </a:bodyPr>
+          <a:lstStyle/>
+          <a:p>
+            <a:r>
+              <a:rPr lang="en-US" sz="2400" dirty="0" smtClean="0">
+                <a:latin typeface="Times New Roman" pitchFamily="18" charset="0"/>
+                <a:cs typeface="Times New Roman" pitchFamily="18" charset="0"/>
+              </a:rPr>
+              <a:t>B</a:t>
+            </a:r>
+            <a:endParaRPr lang="en-US" sz="2400" dirty="0">
+              <a:latin typeface="Times New Roman" pitchFamily="18" charset="0"/>
+              <a:cs typeface="Times New Roman" pitchFamily="18" charset="0"/>
+            </a:endParaRPr>
+          </a:p>
+        </p:txBody>
+      </p:sp>
+      <p:sp>
+        <p:nvSpPr>
+          <p:cNvPr id="65" name="TextBox 64"/>
+          <p:cNvSpPr txBox="1"/>
+          <p:nvPr/>
+        </p:nvSpPr>
+        <p:spPr>
+          <a:xfrm>
+            <a:off x="1314389" y="1597781"/>
+            <a:ext cx="389850" cy="461665"/>
+          </a:xfrm>
+          <a:prstGeom prst="rect">
+            <a:avLst/>
+          </a:prstGeom>
+          <a:noFill/>
+        </p:spPr>
+        <p:txBody>
+          <a:bodyPr wrap="none" rtlCol="0">
+            <a:spAutoFit/>
+          </a:bodyPr>
+          <a:lstStyle/>
+          <a:p>
+            <a:r>
+              <a:rPr lang="en-US" sz="2400" dirty="0" smtClean="0">
+                <a:latin typeface="Times New Roman" pitchFamily="18" charset="0"/>
+                <a:cs typeface="Times New Roman" pitchFamily="18" charset="0"/>
+              </a:rPr>
+              <a:t>C</a:t>
+            </a:r>
+            <a:endParaRPr lang="en-US" sz="2400" dirty="0">
+              <a:latin typeface="Times New Roman" pitchFamily="18" charset="0"/>
+              <a:cs typeface="Times New Roman" pitchFamily="18" charset="0"/>
+            </a:endParaRPr>
+          </a:p>
+        </p:txBody>
+      </p:sp>
+      <p:sp>
+        <p:nvSpPr>
+          <p:cNvPr id="66" name="Rectangle 65"/>
+          <p:cNvSpPr/>
+          <p:nvPr/>
+        </p:nvSpPr>
+        <p:spPr>
+          <a:xfrm flipV="1">
+            <a:off x="1704239" y="1637489"/>
+            <a:ext cx="182880" cy="182880"/>
+          </a:xfrm>
+          <a:prstGeom prst="rect">
+            <a:avLst/>
+          </a:prstGeom>
+          <a:solidFill>
+            <a:schemeClr val="tx2"/>
+          </a:solidFill>
+        </p:spPr>
+        <p:style>
+          <a:lnRef idx="1">
+            <a:schemeClr val="accent1"/>
+          </a:lnRef>
+          <a:fillRef idx="3">
+            <a:schemeClr val="accent1"/>
+          </a:fillRef>
+          <a:effectRef idx="2">
+            <a:schemeClr val="accent1"/>
+          </a:effectRef>
+          <a:fontRef idx="minor">
+            <a:schemeClr val="lt1"/>
+          </a:fontRef>
+        </p:style>
+        <p:txBody>
+          <a:bodyPr rtlCol="0" anchor="ctr"/>
+          <a:lstStyle/>
+          <a:p>
+            <a:pPr algn="ctr"/>
+            <a:endParaRPr lang="en-US" dirty="0" smtClean="0">
+              <a:ln w="18415" cmpd="sng">
+                <a:solidFill>
+                  <a:srgbClr val="FFFFFF"/>
+                </a:solidFill>
+                <a:prstDash val="solid"/>
+              </a:ln>
+              <a:solidFill>
+                <a:srgbClr val="FFFFFF"/>
+              </a:solidFill>
+              <a:effectLst>
+                <a:outerShdw blurRad="63500" dir="3600000" algn="tl" rotWithShape="0">
+                  <a:srgbClr val="000000">
+                    <a:alpha val="70000"/>
+                  </a:srgbClr>
+                </a:outerShdw>
+              </a:effectLst>
+            </a:endParaRPr>
+          </a:p>
+          <a:p>
+            <a:pPr algn="ctr"/>
+            <a:endParaRPr dirty="0" smtClean="0">
+              <a:ln w="18415" cmpd="sng">
+                <a:solidFill>
+                  <a:srgbClr val="FFFFFF"/>
+                </a:solidFill>
+                <a:prstDash val="solid"/>
+              </a:ln>
+              <a:solidFill>
+                <a:srgbClr val="FFFFFF"/>
+              </a:solidFill>
+              <a:effectLst>
+                <a:outerShdw blurRad="63500" dir="3600000" algn="tl" rotWithShape="0">
+                  <a:srgbClr val="000000">
+                    <a:alpha val="70000"/>
+                  </a:srgbClr>
+                </a:outerShdw>
+              </a:effectLst>
+            </a:endParaRPr>
+          </a:p>
+          <a:p>
+            <a:pPr algn="ctr"/>
+            <a:endParaRPr lang="en-US" dirty="0" smtClean="0">
+              <a:ln w="18415" cmpd="sng">
+                <a:solidFill>
+                  <a:srgbClr val="FFFFFF"/>
+                </a:solidFill>
+                <a:prstDash val="solid"/>
+              </a:ln>
+              <a:solidFill>
+                <a:srgbClr val="FFFFFF"/>
+              </a:solidFill>
+              <a:effectLst>
+                <a:outerShdw blurRad="63500" dir="3600000" algn="tl" rotWithShape="0">
+                  <a:srgbClr val="000000">
+                    <a:alpha val="70000"/>
+                  </a:srgbClr>
+                </a:outerShdw>
+              </a:effectLst>
+            </a:endParaRPr>
+          </a:p>
+          <a:p>
+            <a:pPr algn="ctr"/>
+            <a:endParaRPr lang="en-US" dirty="0">
+              <a:ln w="18415" cmpd="sng">
+                <a:solidFill>
+                  <a:srgbClr val="FFFFFF"/>
+                </a:solidFill>
+                <a:prstDash val="solid"/>
+              </a:ln>
+              <a:solidFill>
+                <a:srgbClr val="FFFFFF"/>
+              </a:solidFill>
+              <a:effectLst>
+                <a:outerShdw blurRad="63500" dir="3600000" algn="tl" rotWithShape="0">
+                  <a:srgbClr val="000000">
+                    <a:alpha val="70000"/>
+                  </a:srgbClr>
+                </a:outerShdw>
+              </a:effectLst>
+            </a:endParaRPr>
+          </a:p>
+        </p:txBody>
+      </p:sp>
+      <p:sp>
+        <p:nvSpPr>
+          <p:cNvPr id="67" name="Rectangle 66"/>
+          <p:cNvSpPr/>
+          <p:nvPr/>
+        </p:nvSpPr>
+        <p:spPr>
+          <a:xfrm flipV="1">
+            <a:off x="6730545" y="1637489"/>
+            <a:ext cx="182880" cy="182880"/>
+          </a:xfrm>
+          <a:prstGeom prst="rect">
+            <a:avLst/>
+          </a:prstGeom>
+          <a:solidFill>
+            <a:schemeClr val="accent2">
+              <a:lumMod val="40000"/>
+              <a:lumOff val="60000"/>
+            </a:schemeClr>
+          </a:solidFill>
+        </p:spPr>
+        <p:style>
+          <a:lnRef idx="1">
+            <a:schemeClr val="accent1"/>
+          </a:lnRef>
+          <a:fillRef idx="3">
+            <a:schemeClr val="accent1"/>
+          </a:fillRef>
+          <a:effectRef idx="2">
+            <a:schemeClr val="accent1"/>
+          </a:effectRef>
+          <a:fontRef idx="minor">
+            <a:schemeClr val="lt1"/>
+          </a:fontRef>
+        </p:style>
+        <p:txBody>
+          <a:bodyPr rtlCol="0" anchor="ctr"/>
+          <a:lstStyle/>
+          <a:p>
+            <a:pPr algn="ctr"/>
+            <a:endParaRPr lang="en-US" dirty="0" smtClean="0"/>
+          </a:p>
+          <a:p>
+            <a:pPr algn="ctr"/>
+            <a:endParaRPr/>
+          </a:p>
+          <a:p>
+            <a:pPr algn="ctr"/>
+            <a:endParaRPr lang="en-US" dirty="0" smtClean="0"/>
+          </a:p>
+          <a:p>
+            <a:pPr algn="ctr"/>
+            <a:endParaRPr lang="en-US" dirty="0"/>
+          </a:p>
+        </p:txBody>
+      </p:sp>
+      <p:sp>
+        <p:nvSpPr>
+          <p:cNvPr id="68" name="Rectangle 67"/>
+          <p:cNvSpPr/>
+          <p:nvPr/>
+        </p:nvSpPr>
+        <p:spPr>
+          <a:xfrm flipV="1">
+            <a:off x="1887119" y="1637489"/>
+            <a:ext cx="182880" cy="182880"/>
+          </a:xfrm>
+          <a:prstGeom prst="rect">
+            <a:avLst/>
+          </a:prstGeom>
+          <a:solidFill>
+            <a:schemeClr val="accent2"/>
+          </a:solidFill>
+        </p:spPr>
+        <p:style>
+          <a:lnRef idx="1">
+            <a:schemeClr val="accent1"/>
+          </a:lnRef>
+          <a:fillRef idx="3">
+            <a:schemeClr val="accent1"/>
+          </a:fillRef>
+          <a:effectRef idx="2">
+            <a:schemeClr val="accent1"/>
+          </a:effectRef>
+          <a:fontRef idx="minor">
+            <a:schemeClr val="lt1"/>
+          </a:fontRef>
+        </p:style>
+        <p:txBody>
+          <a:bodyPr rtlCol="0" anchor="ctr"/>
+          <a:lstStyle/>
+          <a:p>
+            <a:pPr algn="ctr"/>
+            <a:endParaRPr lang="en-US" dirty="0" smtClean="0"/>
+          </a:p>
+          <a:p>
+            <a:pPr algn="ctr"/>
+            <a:endParaRPr dirty="0" smtClean="0"/>
+          </a:p>
+          <a:p>
+            <a:pPr algn="ctr"/>
+            <a:endParaRPr lang="en-US" dirty="0" smtClean="0"/>
+          </a:p>
+          <a:p>
+            <a:pPr algn="ctr"/>
+            <a:endParaRPr lang="en-US" dirty="0"/>
+          </a:p>
+        </p:txBody>
+      </p:sp>
+      <p:sp>
+        <p:nvSpPr>
+          <p:cNvPr id="69" name="Rectangle 68"/>
+          <p:cNvSpPr/>
+          <p:nvPr/>
+        </p:nvSpPr>
+        <p:spPr>
+          <a:xfrm flipV="1">
+            <a:off x="3387197" y="1637489"/>
+            <a:ext cx="182880" cy="182880"/>
+          </a:xfrm>
+          <a:prstGeom prst="rect">
+            <a:avLst/>
+          </a:prstGeom>
+          <a:solidFill>
+            <a:schemeClr val="accent3"/>
+          </a:solidFill>
+        </p:spPr>
+        <p:style>
+          <a:lnRef idx="1">
+            <a:schemeClr val="accent1"/>
+          </a:lnRef>
+          <a:fillRef idx="3">
+            <a:schemeClr val="accent1"/>
+          </a:fillRef>
+          <a:effectRef idx="2">
+            <a:schemeClr val="accent1"/>
+          </a:effectRef>
+          <a:fontRef idx="minor">
+            <a:schemeClr val="lt1"/>
+          </a:fontRef>
+        </p:style>
+        <p:txBody>
+          <a:bodyPr rtlCol="0" anchor="ctr"/>
+          <a:lstStyle/>
+          <a:p>
+            <a:pPr algn="ctr"/>
+            <a:endParaRPr lang="en-US" dirty="0" smtClean="0"/>
+          </a:p>
+          <a:p>
+            <a:pPr algn="ctr"/>
+            <a:endParaRPr dirty="0" smtClean="0"/>
+          </a:p>
+          <a:p>
+            <a:pPr algn="ctr"/>
+            <a:endParaRPr lang="en-US" dirty="0" smtClean="0"/>
+          </a:p>
+          <a:p>
+            <a:pPr algn="ctr"/>
+            <a:endParaRPr lang="en-US" dirty="0"/>
+          </a:p>
+        </p:txBody>
+      </p:sp>
+      <p:sp>
+        <p:nvSpPr>
+          <p:cNvPr id="70" name="Rectangle 69"/>
+          <p:cNvSpPr/>
+          <p:nvPr/>
+        </p:nvSpPr>
+        <p:spPr>
+          <a:xfrm flipV="1">
+            <a:off x="3570077" y="1637489"/>
+            <a:ext cx="182880" cy="182880"/>
+          </a:xfrm>
+          <a:prstGeom prst="rect">
+            <a:avLst/>
+          </a:prstGeom>
+          <a:solidFill>
+            <a:schemeClr val="accent4"/>
+          </a:solidFill>
+        </p:spPr>
+        <p:style>
+          <a:lnRef idx="1">
+            <a:schemeClr val="accent1"/>
+          </a:lnRef>
+          <a:fillRef idx="3">
+            <a:schemeClr val="accent1"/>
+          </a:fillRef>
+          <a:effectRef idx="2">
+            <a:schemeClr val="accent1"/>
+          </a:effectRef>
+          <a:fontRef idx="minor">
+            <a:schemeClr val="lt1"/>
+          </a:fontRef>
+        </p:style>
+        <p:txBody>
+          <a:bodyPr rtlCol="0" anchor="ctr"/>
+          <a:lstStyle/>
+          <a:p>
+            <a:pPr algn="ctr"/>
+            <a:endParaRPr lang="en-US" dirty="0" smtClean="0"/>
+          </a:p>
+          <a:p>
+            <a:pPr algn="ctr"/>
+            <a:endParaRPr dirty="0" smtClean="0"/>
+          </a:p>
+          <a:p>
+            <a:pPr algn="ctr"/>
+            <a:endParaRPr lang="en-US" dirty="0" smtClean="0"/>
+          </a:p>
+          <a:p>
+            <a:pPr algn="ctr"/>
+            <a:endParaRPr lang="en-US" dirty="0"/>
+          </a:p>
+        </p:txBody>
+      </p:sp>
+      <p:sp>
+        <p:nvSpPr>
+          <p:cNvPr id="72" name="Rectangle 71"/>
+          <p:cNvSpPr/>
+          <p:nvPr/>
+        </p:nvSpPr>
+        <p:spPr>
+          <a:xfrm flipV="1">
+            <a:off x="5058871" y="1637489"/>
+            <a:ext cx="182880" cy="182880"/>
+          </a:xfrm>
+          <a:prstGeom prst="rect">
+            <a:avLst/>
+          </a:prstGeom>
+          <a:solidFill>
+            <a:schemeClr val="accent6"/>
+          </a:solidFill>
+        </p:spPr>
+        <p:style>
+          <a:lnRef idx="1">
+            <a:schemeClr val="accent1"/>
+          </a:lnRef>
+          <a:fillRef idx="3">
+            <a:schemeClr val="accent1"/>
+          </a:fillRef>
+          <a:effectRef idx="2">
+            <a:schemeClr val="accent1"/>
+          </a:effectRef>
+          <a:fontRef idx="minor">
+            <a:schemeClr val="lt1"/>
+          </a:fontRef>
+        </p:style>
+        <p:txBody>
+          <a:bodyPr rtlCol="0" anchor="ctr"/>
+          <a:lstStyle/>
+          <a:p>
+            <a:pPr algn="ctr"/>
+            <a:endParaRPr lang="en-US" dirty="0" smtClean="0"/>
+          </a:p>
+          <a:p>
+            <a:pPr algn="ctr"/>
+            <a:endParaRPr dirty="0" smtClean="0"/>
+          </a:p>
+          <a:p>
+            <a:pPr algn="ctr"/>
+            <a:endParaRPr lang="en-US" dirty="0" smtClean="0"/>
+          </a:p>
+          <a:p>
+            <a:pPr algn="ctr"/>
+            <a:endParaRPr lang="en-US" dirty="0"/>
+          </a:p>
+        </p:txBody>
+      </p:sp>
+      <p:sp>
+        <p:nvSpPr>
+          <p:cNvPr id="73" name="Rectangle 72"/>
+          <p:cNvSpPr/>
+          <p:nvPr/>
+        </p:nvSpPr>
+        <p:spPr>
+          <a:xfrm flipV="1">
+            <a:off x="5241751" y="1637489"/>
+            <a:ext cx="182880" cy="182880"/>
+          </a:xfrm>
+          <a:prstGeom prst="rect">
+            <a:avLst/>
+          </a:prstGeom>
+          <a:solidFill>
+            <a:schemeClr val="bg2">
+              <a:lumMod val="75000"/>
+            </a:schemeClr>
+          </a:solidFill>
+        </p:spPr>
+        <p:style>
+          <a:lnRef idx="1">
+            <a:schemeClr val="accent1"/>
+          </a:lnRef>
+          <a:fillRef idx="3">
+            <a:schemeClr val="accent1"/>
+          </a:fillRef>
+          <a:effectRef idx="2">
+            <a:schemeClr val="accent1"/>
+          </a:effectRef>
+          <a:fontRef idx="minor">
+            <a:schemeClr val="lt1"/>
+          </a:fontRef>
+        </p:style>
+        <p:txBody>
+          <a:bodyPr rtlCol="0" anchor="ctr"/>
+          <a:lstStyle/>
+          <a:p>
+            <a:pPr algn="ctr"/>
+            <a:endParaRPr lang="en-US" dirty="0" smtClean="0"/>
+          </a:p>
+          <a:p>
+            <a:pPr algn="ctr"/>
+            <a:endParaRPr dirty="0" smtClean="0"/>
+          </a:p>
+          <a:p>
+            <a:pPr algn="ctr"/>
+            <a:endParaRPr lang="en-US" dirty="0" smtClean="0"/>
+          </a:p>
+          <a:p>
+            <a:pPr algn="ctr"/>
+            <a:endParaRPr lang="en-US" dirty="0"/>
+          </a:p>
+        </p:txBody>
+      </p:sp>
+      <p:cxnSp>
+        <p:nvCxnSpPr>
+          <p:cNvPr id="77" name="Straight Arrow Connector 76"/>
+          <p:cNvCxnSpPr/>
+          <p:nvPr/>
+        </p:nvCxnSpPr>
+        <p:spPr>
+          <a:xfrm>
+            <a:off x="1704239" y="1950922"/>
+            <a:ext cx="390781" cy="1588"/>
+          </a:xfrm>
+          <a:prstGeom prst="straightConnector1">
+            <a:avLst/>
+          </a:prstGeom>
+          <a:ln>
+            <a:tailEnd type="arrow"/>
+          </a:ln>
+        </p:spPr>
+        <p:style>
+          <a:lnRef idx="2">
+            <a:schemeClr val="accent1"/>
+          </a:lnRef>
+          <a:fillRef idx="0">
+            <a:schemeClr val="accent1"/>
+          </a:fillRef>
+          <a:effectRef idx="1">
+            <a:schemeClr val="accent1"/>
+          </a:effectRef>
+          <a:fontRef idx="minor">
+            <a:schemeClr val="tx1"/>
+          </a:fontRef>
+        </p:style>
+      </p:cxnSp>
+      <p:cxnSp>
+        <p:nvCxnSpPr>
+          <p:cNvPr id="78" name="Straight Arrow Connector 77"/>
+          <p:cNvCxnSpPr/>
+          <p:nvPr/>
+        </p:nvCxnSpPr>
+        <p:spPr>
+          <a:xfrm>
+            <a:off x="3387197" y="1949334"/>
+            <a:ext cx="390781" cy="1588"/>
+          </a:xfrm>
+          <a:prstGeom prst="straightConnector1">
+            <a:avLst/>
+          </a:prstGeom>
+          <a:ln>
+            <a:tailEnd type="arrow"/>
+          </a:ln>
+        </p:spPr>
+        <p:style>
+          <a:lnRef idx="2">
+            <a:schemeClr val="accent1"/>
+          </a:lnRef>
+          <a:fillRef idx="0">
+            <a:schemeClr val="accent1"/>
+          </a:fillRef>
+          <a:effectRef idx="1">
+            <a:schemeClr val="accent1"/>
+          </a:effectRef>
+          <a:fontRef idx="minor">
+            <a:schemeClr val="tx1"/>
+          </a:fontRef>
+        </p:style>
+      </p:cxnSp>
+      <p:cxnSp>
+        <p:nvCxnSpPr>
+          <p:cNvPr id="82" name="Straight Arrow Connector 81"/>
+          <p:cNvCxnSpPr/>
+          <p:nvPr/>
+        </p:nvCxnSpPr>
+        <p:spPr>
+          <a:xfrm>
+            <a:off x="5058871" y="1946158"/>
+            <a:ext cx="390781" cy="1588"/>
+          </a:xfrm>
+          <a:prstGeom prst="straightConnector1">
+            <a:avLst/>
+          </a:prstGeom>
+          <a:ln>
+            <a:tailEnd type="arrow"/>
+          </a:ln>
+        </p:spPr>
+        <p:style>
+          <a:lnRef idx="2">
+            <a:schemeClr val="accent1"/>
+          </a:lnRef>
+          <a:fillRef idx="0">
+            <a:schemeClr val="accent1"/>
+          </a:fillRef>
+          <a:effectRef idx="1">
+            <a:schemeClr val="accent1"/>
+          </a:effectRef>
+          <a:fontRef idx="minor">
+            <a:schemeClr val="tx1"/>
+          </a:fontRef>
+        </p:style>
+      </p:cxnSp>
+      <p:cxnSp>
+        <p:nvCxnSpPr>
+          <p:cNvPr id="83" name="Straight Arrow Connector 82"/>
+          <p:cNvCxnSpPr/>
+          <p:nvPr/>
+        </p:nvCxnSpPr>
+        <p:spPr>
+          <a:xfrm>
+            <a:off x="6727177" y="1944570"/>
+            <a:ext cx="195391" cy="1588"/>
+          </a:xfrm>
+          <a:prstGeom prst="straightConnector1">
+            <a:avLst/>
+          </a:prstGeom>
+          <a:ln>
+            <a:tailEnd type="arrow"/>
+          </a:ln>
+        </p:spPr>
+        <p:style>
+          <a:lnRef idx="2">
+            <a:schemeClr val="accent1"/>
+          </a:lnRef>
+          <a:fillRef idx="0">
+            <a:schemeClr val="accent1"/>
+          </a:fillRef>
+          <a:effectRef idx="1">
+            <a:schemeClr val="accent1"/>
+          </a:effectRef>
+          <a:fontRef idx="minor">
+            <a:schemeClr val="tx1"/>
+          </a:fontRef>
+        </p:style>
+      </p:cxnSp>
+      <p:sp>
+        <p:nvSpPr>
+          <p:cNvPr id="93" name="TextBox 92"/>
+          <p:cNvSpPr txBox="1"/>
+          <p:nvPr/>
+        </p:nvSpPr>
+        <p:spPr>
+          <a:xfrm>
+            <a:off x="1296755" y="2156338"/>
+            <a:ext cx="407484" cy="461665"/>
+          </a:xfrm>
+          <a:prstGeom prst="rect">
+            <a:avLst/>
+          </a:prstGeom>
+          <a:noFill/>
+        </p:spPr>
+        <p:txBody>
+          <a:bodyPr wrap="none" rtlCol="0">
+            <a:spAutoFit/>
+          </a:bodyPr>
+          <a:lstStyle/>
+          <a:p>
+            <a:r>
+              <a:rPr lang="en-US" sz="2400" dirty="0" smtClean="0">
+                <a:latin typeface="Times New Roman" pitchFamily="18" charset="0"/>
+                <a:cs typeface="Times New Roman" pitchFamily="18" charset="0"/>
+              </a:rPr>
+              <a:t>D</a:t>
+            </a:r>
+            <a:endParaRPr lang="en-US" sz="2400" dirty="0">
+              <a:latin typeface="Times New Roman" pitchFamily="18" charset="0"/>
+              <a:cs typeface="Times New Roman" pitchFamily="18" charset="0"/>
+            </a:endParaRPr>
+          </a:p>
+        </p:txBody>
+      </p:sp>
     </p:spTree>
   </p:cSld>
   <p:clrMapOvr>
